--- a/Presentations/2-Interim_presentation.pptx
+++ b/Presentations/2-Interim_presentation.pptx
@@ -14091,7 +14091,7 @@
                 <a:latin typeface="Inter" panose="020B0604020202020204" charset="0"/>
                 <a:ea typeface="Inter" panose="020B0604020202020204" charset="0"/>
               </a:rPr>
-              <a:t>Ensures the quoted text exists word-for-word in the  source chunk.</a:t>
+              <a:t>Ensures the quoted text exists word-for-word in the source chunk.</a:t>
             </a:r>
           </a:p>
           <a:p>
@@ -14298,7 +14298,7 @@
                 <a:latin typeface="Inter SemiBold" panose="020B0604020202020204" charset="0"/>
                 <a:ea typeface="Inter SemiBold" panose="020B0604020202020204" charset="0"/>
               </a:rPr>
-              <a:t>391 examples</a:t>
+              <a:t>391 examples.</a:t>
             </a:r>
             <a:endParaRPr sz="1800" dirty="0">
               <a:solidFill>
